--- a/doc/Wissensmanagement.pptx
+++ b/doc/Wissensmanagement.pptx
@@ -15,8 +15,8 @@
     <p:sldId id="383" r:id="rId6"/>
     <p:sldId id="412" r:id="rId7"/>
     <p:sldId id="413" r:id="rId8"/>
-    <p:sldId id="414" r:id="rId9"/>
-    <p:sldId id="415" r:id="rId10"/>
+    <p:sldId id="415" r:id="rId9"/>
+    <p:sldId id="414" r:id="rId10"/>
     <p:sldId id="417" r:id="rId11"/>
     <p:sldId id="398" r:id="rId12"/>
     <p:sldId id="411" r:id="rId13"/>
@@ -198,7 +198,7 @@
           <a:p>
             <a:fld id="{1EBEDD12-BCD5-485B-BCBC-34BB01D7923C}" type="datetimeFigureOut">
               <a:rPr lang="en-US" smtClean="0"/>
-              <a:t>3/3/2025</a:t>
+              <a:t>3/10/2025</a:t>
             </a:fld>
             <a:endParaRPr lang="en-US" dirty="0"/>
           </a:p>
@@ -412,7 +412,7 @@
           <a:p>
             <a:fld id="{6EE7A52F-9D89-7442-A8E9-48D1527B5F6B}" type="datetimeFigureOut">
               <a:rPr lang="en-US" smtClean="0"/>
-              <a:t>3/3/2025</a:t>
+              <a:t>3/10/2025</a:t>
             </a:fld>
             <a:endParaRPr lang="en-US" dirty="0"/>
           </a:p>
@@ -9558,6 +9558,12 @@
           </a:p>
           <a:p>
             <a:r>
+              <a:rPr lang="en-GB" dirty="0"/>
+              <a:t>Tests</a:t>
+            </a:r>
+          </a:p>
+          <a:p>
+            <a:r>
               <a:rPr lang="en-GB" dirty="0" err="1"/>
               <a:t>Lösungsansatz</a:t>
             </a:r>
@@ -9565,14 +9571,8 @@
           </a:p>
           <a:p>
             <a:r>
-              <a:rPr lang="en-GB" dirty="0"/>
-              <a:t>Tests</a:t>
-            </a:r>
-          </a:p>
-          <a:p>
-            <a:r>
-              <a:rPr lang="en-GB" dirty="0"/>
-              <a:t>Lessons Learned</a:t>
+              <a:rPr lang="en-GB" dirty="0" err="1"/>
+              <a:t>Fazit</a:t>
             </a:r>
             <a:endParaRPr lang="en-CH" dirty="0"/>
           </a:p>
@@ -9668,7 +9668,7 @@
           <a:p>
             <a:r>
               <a:rPr lang="de-DE" dirty="0"/>
-              <a:t>IT-Firma Xarelto möchte Wissensmanagementsystem einführen</a:t>
+              <a:t>IT-Firma möchte Wissensmanagementsystem einführen</a:t>
             </a:r>
           </a:p>
           <a:p>
@@ -9842,21 +9842,38 @@
             <a:pPr lvl="1"/>
             <a:r>
               <a:rPr lang="de-CH" dirty="0"/>
-              <a:t>Entwicklung der Applikation (&gt;)</a:t>
-            </a:r>
+              <a:t>Entwicklung der Applikation </a:t>
+            </a:r>
+            <a:r>
+              <a:rPr lang="de-CH" sz="2000" i="1" dirty="0"/>
+              <a:t>(Effektive Zeit &gt;)</a:t>
+            </a:r>
+            <a:endParaRPr lang="de-CH" i="1" dirty="0"/>
           </a:p>
           <a:p>
             <a:pPr lvl="1"/>
             <a:r>
               <a:rPr lang="de-CH" dirty="0"/>
-              <a:t>Testphase (&gt;)</a:t>
-            </a:r>
+              <a:t>Testphase </a:t>
+            </a:r>
+            <a:r>
+              <a:rPr lang="de-CH" sz="2000" i="1" dirty="0"/>
+              <a:t>(Effektive Zeit &gt;) </a:t>
+            </a:r>
+            <a:endParaRPr lang="de-CH" i="1" dirty="0"/>
           </a:p>
           <a:p>
             <a:pPr lvl="1"/>
             <a:r>
               <a:rPr lang="de-CH" dirty="0"/>
-              <a:t>Dokumentation &amp; Präsentation</a:t>
+              <a:t>Dokumentation</a:t>
+            </a:r>
+          </a:p>
+          <a:p>
+            <a:pPr lvl="1"/>
+            <a:r>
+              <a:rPr lang="de-CH" dirty="0"/>
+              <a:t>Präsentation</a:t>
             </a:r>
           </a:p>
           <a:p>
@@ -9886,6 +9903,130 @@
 </file>
 
 <file path=ppt/slides/slide5.xml><?xml version="1.0" encoding="utf-8"?>
+<p:sld xmlns:a="http://schemas.openxmlformats.org/drawingml/2006/main" xmlns:r="http://schemas.openxmlformats.org/officeDocument/2006/relationships" xmlns:p="http://schemas.openxmlformats.org/presentationml/2006/main">
+  <p:cSld>
+    <p:spTree>
+      <p:nvGrpSpPr>
+        <p:cNvPr id="1" name=""/>
+        <p:cNvGrpSpPr/>
+        <p:nvPr/>
+      </p:nvGrpSpPr>
+      <p:grpSpPr>
+        <a:xfrm>
+          <a:off x="0" y="0"/>
+          <a:ext cx="0" cy="0"/>
+          <a:chOff x="0" y="0"/>
+          <a:chExt cx="0" cy="0"/>
+        </a:xfrm>
+      </p:grpSpPr>
+      <p:sp>
+        <p:nvSpPr>
+          <p:cNvPr id="2" name="Title 1">
+            <a:extLst>
+              <a:ext uri="{FF2B5EF4-FFF2-40B4-BE49-F238E27FC236}">
+                <a16:creationId xmlns:a16="http://schemas.microsoft.com/office/drawing/2014/main" id="{F566601A-FAD8-9774-B6EE-ECE3FD6404F1}"/>
+              </a:ext>
+            </a:extLst>
+          </p:cNvPr>
+          <p:cNvSpPr>
+            <a:spLocks noGrp="1"/>
+          </p:cNvSpPr>
+          <p:nvPr>
+            <p:ph type="title"/>
+          </p:nvPr>
+        </p:nvSpPr>
+        <p:spPr/>
+        <p:txBody>
+          <a:bodyPr/>
+          <a:lstStyle/>
+          <a:p>
+            <a:r>
+              <a:rPr lang="en-GB" dirty="0"/>
+              <a:t>Tests</a:t>
+            </a:r>
+            <a:endParaRPr lang="en-CH" dirty="0"/>
+          </a:p>
+        </p:txBody>
+      </p:sp>
+      <p:sp>
+        <p:nvSpPr>
+          <p:cNvPr id="3" name="Table Placeholder 2">
+            <a:extLst>
+              <a:ext uri="{FF2B5EF4-FFF2-40B4-BE49-F238E27FC236}">
+                <a16:creationId xmlns:a16="http://schemas.microsoft.com/office/drawing/2014/main" id="{5B90E927-E978-B595-1752-497D596A9E74}"/>
+              </a:ext>
+            </a:extLst>
+          </p:cNvPr>
+          <p:cNvSpPr>
+            <a:spLocks noGrp="1"/>
+          </p:cNvSpPr>
+          <p:nvPr>
+            <p:ph type="tbl" sz="quarter" idx="10"/>
+          </p:nvPr>
+        </p:nvSpPr>
+        <p:spPr/>
+        <p:txBody>
+          <a:bodyPr/>
+          <a:lstStyle/>
+          <a:p>
+            <a:r>
+              <a:rPr lang="en-GB" dirty="0"/>
+              <a:t>11 Tests</a:t>
+            </a:r>
+          </a:p>
+          <a:p>
+            <a:r>
+              <a:rPr lang="de-CH" noProof="0" dirty="0"/>
+              <a:t>Erfolgreich</a:t>
+            </a:r>
+            <a:endParaRPr lang="en-CH" dirty="0"/>
+          </a:p>
+        </p:txBody>
+      </p:sp>
+      <p:pic>
+        <p:nvPicPr>
+          <p:cNvPr id="7" name="Picture 6">
+            <a:extLst>
+              <a:ext uri="{FF2B5EF4-FFF2-40B4-BE49-F238E27FC236}">
+                <a16:creationId xmlns:a16="http://schemas.microsoft.com/office/drawing/2014/main" id="{AA73C6B2-564F-7ACD-2C4E-9B0043277EAF}"/>
+              </a:ext>
+            </a:extLst>
+          </p:cNvPr>
+          <p:cNvPicPr>
+            <a:picLocks noChangeAspect="1"/>
+          </p:cNvPicPr>
+          <p:nvPr/>
+        </p:nvPicPr>
+        <p:blipFill>
+          <a:blip r:embed="rId2"/>
+          <a:stretch>
+            <a:fillRect/>
+          </a:stretch>
+        </p:blipFill>
+        <p:spPr>
+          <a:xfrm>
+            <a:off x="130628" y="4083832"/>
+            <a:ext cx="11930743" cy="1528154"/>
+          </a:xfrm>
+          <a:prstGeom prst="rect">
+            <a:avLst/>
+          </a:prstGeom>
+        </p:spPr>
+      </p:pic>
+    </p:spTree>
+    <p:extLst>
+      <p:ext uri="{BB962C8B-B14F-4D97-AF65-F5344CB8AC3E}">
+        <p14:creationId xmlns:p14="http://schemas.microsoft.com/office/powerpoint/2010/main" val="3347508466"/>
+      </p:ext>
+    </p:extLst>
+  </p:cSld>
+  <p:clrMapOvr>
+    <a:masterClrMapping/>
+  </p:clrMapOvr>
+</p:sld>
+</file>
+
+<file path=ppt/slides/slide6.xml><?xml version="1.0" encoding="utf-8"?>
 <p:sld xmlns:a="http://schemas.openxmlformats.org/drawingml/2006/main" xmlns:r="http://schemas.openxmlformats.org/officeDocument/2006/relationships" xmlns:p="http://schemas.openxmlformats.org/presentationml/2006/main">
   <p:cSld>
     <p:spTree>
@@ -9960,8 +10101,29 @@
           <a:p>
             <a:r>
               <a:rPr lang="de-CH" dirty="0"/>
-              <a:t>Entwicklung mit Windows Forms.</a:t>
-            </a:r>
+              <a:t>Entwicklung UI mit Windows Forms</a:t>
+            </a:r>
+          </a:p>
+          <a:p>
+            <a:r>
+              <a:rPr lang="de-CH" dirty="0"/>
+              <a:t>Erstellen der Klassen nach Klassendiagramm</a:t>
+            </a:r>
+          </a:p>
+          <a:p>
+            <a:r>
+              <a:rPr lang="de-CH" dirty="0"/>
+              <a:t>Funktionen für Wissensmanagement (Laden(), Speichern(), usw.)</a:t>
+            </a:r>
+          </a:p>
+          <a:p>
+            <a:r>
+              <a:rPr lang="de-CH" dirty="0"/>
+              <a:t>Anpassen des Klassendiagramms</a:t>
+            </a:r>
+          </a:p>
+          <a:p>
+            <a:endParaRPr lang="de-CH" dirty="0"/>
           </a:p>
         </p:txBody>
       </p:sp>
@@ -9987,7 +10149,7 @@
         </p:blipFill>
         <p:spPr>
           <a:xfrm>
-            <a:off x="2114930" y="485753"/>
+            <a:off x="2418865" y="378568"/>
             <a:ext cx="6450483" cy="6062969"/>
           </a:xfrm>
           <a:prstGeom prst="rect">
@@ -10017,7 +10179,7 @@
         </p:blipFill>
         <p:spPr>
           <a:xfrm>
-            <a:off x="2385072" y="485751"/>
+            <a:off x="2689007" y="378566"/>
             <a:ext cx="6459611" cy="6062969"/>
           </a:xfrm>
           <a:prstGeom prst="rect">
@@ -10047,7 +10209,7 @@
         </p:blipFill>
         <p:spPr>
           <a:xfrm>
-            <a:off x="2687546" y="523649"/>
+            <a:off x="2991481" y="416464"/>
             <a:ext cx="6427279" cy="6025072"/>
           </a:xfrm>
           <a:prstGeom prst="rect">
@@ -10233,130 +10395,6 @@
 </p:sld>
 </file>
 
-<file path=ppt/slides/slide6.xml><?xml version="1.0" encoding="utf-8"?>
-<p:sld xmlns:a="http://schemas.openxmlformats.org/drawingml/2006/main" xmlns:r="http://schemas.openxmlformats.org/officeDocument/2006/relationships" xmlns:p="http://schemas.openxmlformats.org/presentationml/2006/main">
-  <p:cSld>
-    <p:spTree>
-      <p:nvGrpSpPr>
-        <p:cNvPr id="1" name=""/>
-        <p:cNvGrpSpPr/>
-        <p:nvPr/>
-      </p:nvGrpSpPr>
-      <p:grpSpPr>
-        <a:xfrm>
-          <a:off x="0" y="0"/>
-          <a:ext cx="0" cy="0"/>
-          <a:chOff x="0" y="0"/>
-          <a:chExt cx="0" cy="0"/>
-        </a:xfrm>
-      </p:grpSpPr>
-      <p:sp>
-        <p:nvSpPr>
-          <p:cNvPr id="2" name="Title 1">
-            <a:extLst>
-              <a:ext uri="{FF2B5EF4-FFF2-40B4-BE49-F238E27FC236}">
-                <a16:creationId xmlns:a16="http://schemas.microsoft.com/office/drawing/2014/main" id="{F566601A-FAD8-9774-B6EE-ECE3FD6404F1}"/>
-              </a:ext>
-            </a:extLst>
-          </p:cNvPr>
-          <p:cNvSpPr>
-            <a:spLocks noGrp="1"/>
-          </p:cNvSpPr>
-          <p:nvPr>
-            <p:ph type="title"/>
-          </p:nvPr>
-        </p:nvSpPr>
-        <p:spPr/>
-        <p:txBody>
-          <a:bodyPr/>
-          <a:lstStyle/>
-          <a:p>
-            <a:r>
-              <a:rPr lang="en-GB" dirty="0"/>
-              <a:t>Tests</a:t>
-            </a:r>
-            <a:endParaRPr lang="en-CH" dirty="0"/>
-          </a:p>
-        </p:txBody>
-      </p:sp>
-      <p:sp>
-        <p:nvSpPr>
-          <p:cNvPr id="3" name="Table Placeholder 2">
-            <a:extLst>
-              <a:ext uri="{FF2B5EF4-FFF2-40B4-BE49-F238E27FC236}">
-                <a16:creationId xmlns:a16="http://schemas.microsoft.com/office/drawing/2014/main" id="{5B90E927-E978-B595-1752-497D596A9E74}"/>
-              </a:ext>
-            </a:extLst>
-          </p:cNvPr>
-          <p:cNvSpPr>
-            <a:spLocks noGrp="1"/>
-          </p:cNvSpPr>
-          <p:nvPr>
-            <p:ph type="tbl" sz="quarter" idx="10"/>
-          </p:nvPr>
-        </p:nvSpPr>
-        <p:spPr/>
-        <p:txBody>
-          <a:bodyPr/>
-          <a:lstStyle/>
-          <a:p>
-            <a:r>
-              <a:rPr lang="en-GB" dirty="0"/>
-              <a:t>11 Tests</a:t>
-            </a:r>
-          </a:p>
-          <a:p>
-            <a:r>
-              <a:rPr lang="en-GB" dirty="0" err="1"/>
-              <a:t>Erfolgreich</a:t>
-            </a:r>
-            <a:endParaRPr lang="en-CH" dirty="0"/>
-          </a:p>
-        </p:txBody>
-      </p:sp>
-      <p:pic>
-        <p:nvPicPr>
-          <p:cNvPr id="7" name="Picture 6">
-            <a:extLst>
-              <a:ext uri="{FF2B5EF4-FFF2-40B4-BE49-F238E27FC236}">
-                <a16:creationId xmlns:a16="http://schemas.microsoft.com/office/drawing/2014/main" id="{AA73C6B2-564F-7ACD-2C4E-9B0043277EAF}"/>
-              </a:ext>
-            </a:extLst>
-          </p:cNvPr>
-          <p:cNvPicPr>
-            <a:picLocks noChangeAspect="1"/>
-          </p:cNvPicPr>
-          <p:nvPr/>
-        </p:nvPicPr>
-        <p:blipFill>
-          <a:blip r:embed="rId2"/>
-          <a:stretch>
-            <a:fillRect/>
-          </a:stretch>
-        </p:blipFill>
-        <p:spPr>
-          <a:xfrm>
-            <a:off x="130628" y="4083832"/>
-            <a:ext cx="11930743" cy="1528154"/>
-          </a:xfrm>
-          <a:prstGeom prst="rect">
-            <a:avLst/>
-          </a:prstGeom>
-        </p:spPr>
-      </p:pic>
-    </p:spTree>
-    <p:extLst>
-      <p:ext uri="{BB962C8B-B14F-4D97-AF65-F5344CB8AC3E}">
-        <p14:creationId xmlns:p14="http://schemas.microsoft.com/office/powerpoint/2010/main" val="3347508466"/>
-      </p:ext>
-    </p:extLst>
-  </p:cSld>
-  <p:clrMapOvr>
-    <a:masterClrMapping/>
-  </p:clrMapOvr>
-</p:sld>
-</file>
-
 <file path=ppt/slides/slide7.xml><?xml version="1.0" encoding="utf-8"?>
 <p:sld xmlns:a="http://schemas.openxmlformats.org/drawingml/2006/main" xmlns:r="http://schemas.openxmlformats.org/officeDocument/2006/relationships" xmlns:p="http://schemas.openxmlformats.org/presentationml/2006/main">
   <p:cSld>
@@ -10396,8 +10434,8 @@
           <a:lstStyle/>
           <a:p>
             <a:r>
-              <a:rPr lang="en-GB" dirty="0"/>
-              <a:t>Lessons Learned</a:t>
+              <a:rPr lang="en-GB" dirty="0" err="1"/>
+              <a:t>Fazit</a:t>
             </a:r>
             <a:endParaRPr lang="en-CH" dirty="0"/>
           </a:p>
@@ -10457,7 +10495,7 @@
           <a:p>
             <a:r>
               <a:rPr lang="en-GB" dirty="0" err="1"/>
-              <a:t>Klassendefinition</a:t>
+              <a:t>Klassendiagramm</a:t>
             </a:r>
             <a:r>
               <a:rPr lang="en-GB" dirty="0"/>
@@ -10481,7 +10519,7 @@
             </a:r>
             <a:r>
               <a:rPr lang="en-GB" dirty="0" err="1"/>
-              <a:t>gemacht</a:t>
+              <a:t>erstellt</a:t>
             </a:r>
             <a:r>
               <a:rPr lang="en-GB" dirty="0"/>
@@ -10537,6 +10575,49 @@
               <a:rPr lang="en-GB" dirty="0"/>
               <a:t> und Tests</a:t>
             </a:r>
+          </a:p>
+          <a:p>
+            <a:r>
+              <a:rPr lang="en-GB" dirty="0"/>
+              <a:t>Gutes Projekt um </a:t>
+            </a:r>
+            <a:r>
+              <a:rPr lang="en-GB" dirty="0" err="1"/>
+              <a:t>erste</a:t>
+            </a:r>
+            <a:r>
+              <a:rPr lang="en-GB" dirty="0"/>
+              <a:t> </a:t>
+            </a:r>
+            <a:r>
+              <a:rPr lang="en-GB" dirty="0" err="1"/>
+              <a:t>Erfahrungen</a:t>
+            </a:r>
+            <a:r>
+              <a:rPr lang="en-GB" dirty="0"/>
+              <a:t> </a:t>
+            </a:r>
+            <a:r>
+              <a:rPr lang="en-GB" dirty="0" err="1"/>
+              <a:t>mit</a:t>
+            </a:r>
+            <a:r>
+              <a:rPr lang="en-GB" dirty="0"/>
+              <a:t> C# </a:t>
+            </a:r>
+            <a:r>
+              <a:rPr lang="en-GB" dirty="0" err="1"/>
+              <a:t>zu</a:t>
+            </a:r>
+            <a:r>
+              <a:rPr lang="en-GB" dirty="0"/>
+              <a:t> </a:t>
+            </a:r>
+            <a:r>
+              <a:rPr lang="en-GB" dirty="0" err="1"/>
+              <a:t>sammeln</a:t>
+            </a:r>
+            <a:endParaRPr lang="en-GB" dirty="0"/>
           </a:p>
         </p:txBody>
       </p:sp>
@@ -11531,6 +11612,35 @@
 </file>
 
 <file path=customXml/item1.xml><?xml version="1.0" encoding="utf-8"?>
+<p:properties xmlns:p="http://schemas.microsoft.com/office/2006/metadata/properties" xmlns:xsi="http://www.w3.org/2001/XMLSchema-instance" xmlns:pc="http://schemas.microsoft.com/office/infopath/2007/PartnerControls">
+  <documentManagement>
+    <Background xmlns="71af3243-3dd4-4a8d-8c0d-dd76da1f02a5">false</Background>
+    <Status xmlns="71af3243-3dd4-4a8d-8c0d-dd76da1f02a5">Not started</Status>
+    <_ip_UnifiedCompliancePolicyUIAction xmlns="http://schemas.microsoft.com/sharepoint/v3" xsi:nil="true"/>
+    <Image xmlns="71af3243-3dd4-4a8d-8c0d-dd76da1f02a5">
+      <Url xsi:nil="true"/>
+      <Description xsi:nil="true"/>
+    </Image>
+    <_ip_UnifiedCompliancePolicyProperties xmlns="http://schemas.microsoft.com/sharepoint/v3" xsi:nil="true"/>
+    <ImageTagsTaxHTField xmlns="71af3243-3dd4-4a8d-8c0d-dd76da1f02a5">
+      <Terms xmlns="http://schemas.microsoft.com/office/infopath/2007/PartnerControls"/>
+    </ImageTagsTaxHTField>
+    <TaxCatchAll xmlns="230e9df3-be65-4c73-a93b-d1236ebd677e" xsi:nil="true"/>
+    <MediaServiceKeyPoints xmlns="71af3243-3dd4-4a8d-8c0d-dd76da1f02a5" xsi:nil="true"/>
+  </documentManagement>
+</p:properties>
+</file>
+
+<file path=customXml/item2.xml><?xml version="1.0" encoding="utf-8"?>
+<?mso-contentType ?>
+<FormTemplates xmlns="http://schemas.microsoft.com/sharepoint/v3/contenttype/forms">
+  <Display>DocumentLibraryForm</Display>
+  <Edit>DocumentLibraryForm</Edit>
+  <New>DocumentLibraryForm</New>
+</FormTemplates>
+</file>
+
+<file path=customXml/item3.xml><?xml version="1.0" encoding="utf-8"?>
 <ct:contentTypeSchema xmlns:ct="http://schemas.microsoft.com/office/2006/metadata/contentType" xmlns:ma="http://schemas.microsoft.com/office/2006/metadata/properties/metaAttributes" ct:_="" ma:_="" ma:contentTypeName="Document" ma:contentTypeID="0x01010079F111ED35F8CC479449609E8A0923A6" ma:contentTypeVersion="28" ma:contentTypeDescription="Create a new document." ma:contentTypeScope="" ma:versionID="60f5a4f2d2b0abadcf532d48ebf9cb71">
   <xsd:schema xmlns:xsd="http://www.w3.org/2001/XMLSchema" xmlns:xs="http://www.w3.org/2001/XMLSchema" xmlns:p="http://schemas.microsoft.com/office/2006/metadata/properties" xmlns:ns1="http://schemas.microsoft.com/sharepoint/v3" xmlns:ns2="71af3243-3dd4-4a8d-8c0d-dd76da1f02a5" xmlns:ns3="16c05727-aa75-4e4a-9b5f-8a80a1165891" xmlns:ns4="230e9df3-be65-4c73-a93b-d1236ebd677e" targetNamespace="http://schemas.microsoft.com/office/2006/metadata/properties" ma:root="true" ma:fieldsID="7dd78129e6a1811f84807ad11c651531" ns1:_="" ns2:_="" ns3:_="" ns4:_="">
     <xsd:import namespace="http://schemas.microsoft.com/sharepoint/v3"/>
@@ -11842,36 +11952,27 @@
 </ct:contentTypeSchema>
 </file>
 
-<file path=customXml/item2.xml><?xml version="1.0" encoding="utf-8"?>
-<?mso-contentType ?>
-<FormTemplates xmlns="http://schemas.microsoft.com/sharepoint/v3/contenttype/forms">
-  <Display>DocumentLibraryForm</Display>
-  <Edit>DocumentLibraryForm</Edit>
-  <New>DocumentLibraryForm</New>
-</FormTemplates>
+<file path=customXml/itemProps1.xml><?xml version="1.0" encoding="utf-8"?>
+<ds:datastoreItem xmlns:ds="http://schemas.openxmlformats.org/officeDocument/2006/customXml" ds:itemID="{4F4B194E-8B30-4377-8C59-ECFB902D2A26}">
+  <ds:schemaRefs>
+    <ds:schemaRef ds:uri="http://schemas.microsoft.com/office/2006/metadata/properties"/>
+    <ds:schemaRef ds:uri="http://schemas.microsoft.com/office/infopath/2007/PartnerControls"/>
+    <ds:schemaRef ds:uri="71af3243-3dd4-4a8d-8c0d-dd76da1f02a5"/>
+    <ds:schemaRef ds:uri="http://schemas.microsoft.com/sharepoint/v3"/>
+    <ds:schemaRef ds:uri="230e9df3-be65-4c73-a93b-d1236ebd677e"/>
+  </ds:schemaRefs>
+</ds:datastoreItem>
 </file>
 
-<file path=customXml/item3.xml><?xml version="1.0" encoding="utf-8"?>
-<p:properties xmlns:p="http://schemas.microsoft.com/office/2006/metadata/properties" xmlns:xsi="http://www.w3.org/2001/XMLSchema-instance" xmlns:pc="http://schemas.microsoft.com/office/infopath/2007/PartnerControls">
-  <documentManagement>
-    <Background xmlns="71af3243-3dd4-4a8d-8c0d-dd76da1f02a5">false</Background>
-    <Status xmlns="71af3243-3dd4-4a8d-8c0d-dd76da1f02a5">Not started</Status>
-    <_ip_UnifiedCompliancePolicyUIAction xmlns="http://schemas.microsoft.com/sharepoint/v3" xsi:nil="true"/>
-    <Image xmlns="71af3243-3dd4-4a8d-8c0d-dd76da1f02a5">
-      <Url xsi:nil="true"/>
-      <Description xsi:nil="true"/>
-    </Image>
-    <_ip_UnifiedCompliancePolicyProperties xmlns="http://schemas.microsoft.com/sharepoint/v3" xsi:nil="true"/>
-    <ImageTagsTaxHTField xmlns="71af3243-3dd4-4a8d-8c0d-dd76da1f02a5">
-      <Terms xmlns="http://schemas.microsoft.com/office/infopath/2007/PartnerControls"/>
-    </ImageTagsTaxHTField>
-    <TaxCatchAll xmlns="230e9df3-be65-4c73-a93b-d1236ebd677e" xsi:nil="true"/>
-    <MediaServiceKeyPoints xmlns="71af3243-3dd4-4a8d-8c0d-dd76da1f02a5" xsi:nil="true"/>
-  </documentManagement>
-</p:properties>
+<file path=customXml/itemProps2.xml><?xml version="1.0" encoding="utf-8"?>
+<ds:datastoreItem xmlns:ds="http://schemas.openxmlformats.org/officeDocument/2006/customXml" ds:itemID="{C21FFAC0-05A2-416A-B06C-C248395482CF}">
+  <ds:schemaRefs>
+    <ds:schemaRef ds:uri="http://schemas.microsoft.com/sharepoint/v3/contenttype/forms"/>
+  </ds:schemaRefs>
+</ds:datastoreItem>
 </file>
 
-<file path=customXml/itemProps1.xml><?xml version="1.0" encoding="utf-8"?>
+<file path=customXml/itemProps3.xml><?xml version="1.0" encoding="utf-8"?>
 <ds:datastoreItem xmlns:ds="http://schemas.openxmlformats.org/officeDocument/2006/customXml" ds:itemID="{92DB9E12-8AC3-4138-BF4D-720A5525AB10}">
   <ds:schemaRefs>
     <ds:schemaRef ds:uri="http://schemas.microsoft.com/office/2006/metadata/contentType"/>
@@ -11892,26 +11993,6 @@
 </ds:datastoreItem>
 </file>
 
-<file path=customXml/itemProps2.xml><?xml version="1.0" encoding="utf-8"?>
-<ds:datastoreItem xmlns:ds="http://schemas.openxmlformats.org/officeDocument/2006/customXml" ds:itemID="{C21FFAC0-05A2-416A-B06C-C248395482CF}">
-  <ds:schemaRefs>
-    <ds:schemaRef ds:uri="http://schemas.microsoft.com/sharepoint/v3/contenttype/forms"/>
-  </ds:schemaRefs>
-</ds:datastoreItem>
-</file>
-
-<file path=customXml/itemProps3.xml><?xml version="1.0" encoding="utf-8"?>
-<ds:datastoreItem xmlns:ds="http://schemas.openxmlformats.org/officeDocument/2006/customXml" ds:itemID="{4F4B194E-8B30-4377-8C59-ECFB902D2A26}">
-  <ds:schemaRefs>
-    <ds:schemaRef ds:uri="http://schemas.microsoft.com/office/2006/metadata/properties"/>
-    <ds:schemaRef ds:uri="http://schemas.microsoft.com/office/infopath/2007/PartnerControls"/>
-    <ds:schemaRef ds:uri="71af3243-3dd4-4a8d-8c0d-dd76da1f02a5"/>
-    <ds:schemaRef ds:uri="http://schemas.microsoft.com/sharepoint/v3"/>
-    <ds:schemaRef ds:uri="230e9df3-be65-4c73-a93b-d1236ebd677e"/>
-  </ds:schemaRefs>
-</ds:datastoreItem>
-</file>
-
 <file path=docMetadata/LabelInfo.xml><?xml version="1.0" encoding="utf-8"?>
 <clbl:labelList xmlns:clbl="http://schemas.microsoft.com/office/2020/mipLabelMetadata"/>
 </file>
--- a/doc/Wissensmanagement.pptx
+++ b/doc/Wissensmanagement.pptx
@@ -198,7 +198,7 @@
           <a:p>
             <a:fld id="{1EBEDD12-BCD5-485B-BCBC-34BB01D7923C}" type="datetimeFigureOut">
               <a:rPr lang="en-US" smtClean="0"/>
-              <a:t>3/10/2025</a:t>
+              <a:t>3/17/2025</a:t>
             </a:fld>
             <a:endParaRPr lang="en-US" dirty="0"/>
           </a:p>
@@ -412,7 +412,7 @@
           <a:p>
             <a:fld id="{6EE7A52F-9D89-7442-A8E9-48D1527B5F6B}" type="datetimeFigureOut">
               <a:rPr lang="en-US" smtClean="0"/>
-              <a:t>3/10/2025</a:t>
+              <a:t>3/17/2025</a:t>
             </a:fld>
             <a:endParaRPr lang="en-US" dirty="0"/>
           </a:p>
@@ -9830,6 +9830,14 @@
               <a:rPr lang="de-CH" dirty="0"/>
               <a:t>Erstellung von Diagrammen nach roten Faden</a:t>
             </a:r>
+          </a:p>
+          <a:p>
+            <a:pPr lvl="1"/>
+            <a:r>
+              <a:rPr lang="de-CH"/>
+              <a:t>Anforderungsanalyse</a:t>
+            </a:r>
+            <a:endParaRPr lang="de-CH" dirty="0"/>
           </a:p>
           <a:p>
             <a:pPr lvl="1"/>
@@ -11612,35 +11620,6 @@
 </file>
 
 <file path=customXml/item1.xml><?xml version="1.0" encoding="utf-8"?>
-<p:properties xmlns:p="http://schemas.microsoft.com/office/2006/metadata/properties" xmlns:xsi="http://www.w3.org/2001/XMLSchema-instance" xmlns:pc="http://schemas.microsoft.com/office/infopath/2007/PartnerControls">
-  <documentManagement>
-    <Background xmlns="71af3243-3dd4-4a8d-8c0d-dd76da1f02a5">false</Background>
-    <Status xmlns="71af3243-3dd4-4a8d-8c0d-dd76da1f02a5">Not started</Status>
-    <_ip_UnifiedCompliancePolicyUIAction xmlns="http://schemas.microsoft.com/sharepoint/v3" xsi:nil="true"/>
-    <Image xmlns="71af3243-3dd4-4a8d-8c0d-dd76da1f02a5">
-      <Url xsi:nil="true"/>
-      <Description xsi:nil="true"/>
-    </Image>
-    <_ip_UnifiedCompliancePolicyProperties xmlns="http://schemas.microsoft.com/sharepoint/v3" xsi:nil="true"/>
-    <ImageTagsTaxHTField xmlns="71af3243-3dd4-4a8d-8c0d-dd76da1f02a5">
-      <Terms xmlns="http://schemas.microsoft.com/office/infopath/2007/PartnerControls"/>
-    </ImageTagsTaxHTField>
-    <TaxCatchAll xmlns="230e9df3-be65-4c73-a93b-d1236ebd677e" xsi:nil="true"/>
-    <MediaServiceKeyPoints xmlns="71af3243-3dd4-4a8d-8c0d-dd76da1f02a5" xsi:nil="true"/>
-  </documentManagement>
-</p:properties>
-</file>
-
-<file path=customXml/item2.xml><?xml version="1.0" encoding="utf-8"?>
-<?mso-contentType ?>
-<FormTemplates xmlns="http://schemas.microsoft.com/sharepoint/v3/contenttype/forms">
-  <Display>DocumentLibraryForm</Display>
-  <Edit>DocumentLibraryForm</Edit>
-  <New>DocumentLibraryForm</New>
-</FormTemplates>
-</file>
-
-<file path=customXml/item3.xml><?xml version="1.0" encoding="utf-8"?>
 <ct:contentTypeSchema xmlns:ct="http://schemas.microsoft.com/office/2006/metadata/contentType" xmlns:ma="http://schemas.microsoft.com/office/2006/metadata/properties/metaAttributes" ct:_="" ma:_="" ma:contentTypeName="Document" ma:contentTypeID="0x01010079F111ED35F8CC479449609E8A0923A6" ma:contentTypeVersion="28" ma:contentTypeDescription="Create a new document." ma:contentTypeScope="" ma:versionID="60f5a4f2d2b0abadcf532d48ebf9cb71">
   <xsd:schema xmlns:xsd="http://www.w3.org/2001/XMLSchema" xmlns:xs="http://www.w3.org/2001/XMLSchema" xmlns:p="http://schemas.microsoft.com/office/2006/metadata/properties" xmlns:ns1="http://schemas.microsoft.com/sharepoint/v3" xmlns:ns2="71af3243-3dd4-4a8d-8c0d-dd76da1f02a5" xmlns:ns3="16c05727-aa75-4e4a-9b5f-8a80a1165891" xmlns:ns4="230e9df3-be65-4c73-a93b-d1236ebd677e" targetNamespace="http://schemas.microsoft.com/office/2006/metadata/properties" ma:root="true" ma:fieldsID="7dd78129e6a1811f84807ad11c651531" ns1:_="" ns2:_="" ns3:_="" ns4:_="">
     <xsd:import namespace="http://schemas.microsoft.com/sharepoint/v3"/>
@@ -11952,27 +11931,36 @@
 </ct:contentTypeSchema>
 </file>
 
-<file path=customXml/itemProps1.xml><?xml version="1.0" encoding="utf-8"?>
-<ds:datastoreItem xmlns:ds="http://schemas.openxmlformats.org/officeDocument/2006/customXml" ds:itemID="{4F4B194E-8B30-4377-8C59-ECFB902D2A26}">
-  <ds:schemaRefs>
-    <ds:schemaRef ds:uri="http://schemas.microsoft.com/office/2006/metadata/properties"/>
-    <ds:schemaRef ds:uri="http://schemas.microsoft.com/office/infopath/2007/PartnerControls"/>
-    <ds:schemaRef ds:uri="71af3243-3dd4-4a8d-8c0d-dd76da1f02a5"/>
-    <ds:schemaRef ds:uri="http://schemas.microsoft.com/sharepoint/v3"/>
-    <ds:schemaRef ds:uri="230e9df3-be65-4c73-a93b-d1236ebd677e"/>
-  </ds:schemaRefs>
-</ds:datastoreItem>
+<file path=customXml/item2.xml><?xml version="1.0" encoding="utf-8"?>
+<p:properties xmlns:p="http://schemas.microsoft.com/office/2006/metadata/properties" xmlns:xsi="http://www.w3.org/2001/XMLSchema-instance" xmlns:pc="http://schemas.microsoft.com/office/infopath/2007/PartnerControls">
+  <documentManagement>
+    <Background xmlns="71af3243-3dd4-4a8d-8c0d-dd76da1f02a5">false</Background>
+    <Status xmlns="71af3243-3dd4-4a8d-8c0d-dd76da1f02a5">Not started</Status>
+    <_ip_UnifiedCompliancePolicyUIAction xmlns="http://schemas.microsoft.com/sharepoint/v3" xsi:nil="true"/>
+    <Image xmlns="71af3243-3dd4-4a8d-8c0d-dd76da1f02a5">
+      <Url xsi:nil="true"/>
+      <Description xsi:nil="true"/>
+    </Image>
+    <_ip_UnifiedCompliancePolicyProperties xmlns="http://schemas.microsoft.com/sharepoint/v3" xsi:nil="true"/>
+    <ImageTagsTaxHTField xmlns="71af3243-3dd4-4a8d-8c0d-dd76da1f02a5">
+      <Terms xmlns="http://schemas.microsoft.com/office/infopath/2007/PartnerControls"/>
+    </ImageTagsTaxHTField>
+    <TaxCatchAll xmlns="230e9df3-be65-4c73-a93b-d1236ebd677e" xsi:nil="true"/>
+    <MediaServiceKeyPoints xmlns="71af3243-3dd4-4a8d-8c0d-dd76da1f02a5" xsi:nil="true"/>
+  </documentManagement>
+</p:properties>
 </file>
 
-<file path=customXml/itemProps2.xml><?xml version="1.0" encoding="utf-8"?>
-<ds:datastoreItem xmlns:ds="http://schemas.openxmlformats.org/officeDocument/2006/customXml" ds:itemID="{C21FFAC0-05A2-416A-B06C-C248395482CF}">
-  <ds:schemaRefs>
-    <ds:schemaRef ds:uri="http://schemas.microsoft.com/sharepoint/v3/contenttype/forms"/>
-  </ds:schemaRefs>
-</ds:datastoreItem>
+<file path=customXml/item3.xml><?xml version="1.0" encoding="utf-8"?>
+<?mso-contentType ?>
+<FormTemplates xmlns="http://schemas.microsoft.com/sharepoint/v3/contenttype/forms">
+  <Display>DocumentLibraryForm</Display>
+  <Edit>DocumentLibraryForm</Edit>
+  <New>DocumentLibraryForm</New>
+</FormTemplates>
 </file>
 
-<file path=customXml/itemProps3.xml><?xml version="1.0" encoding="utf-8"?>
+<file path=customXml/itemProps1.xml><?xml version="1.0" encoding="utf-8"?>
 <ds:datastoreItem xmlns:ds="http://schemas.openxmlformats.org/officeDocument/2006/customXml" ds:itemID="{92DB9E12-8AC3-4138-BF4D-720A5525AB10}">
   <ds:schemaRefs>
     <ds:schemaRef ds:uri="http://schemas.microsoft.com/office/2006/metadata/contentType"/>
@@ -11993,6 +11981,26 @@
 </ds:datastoreItem>
 </file>
 
+<file path=customXml/itemProps2.xml><?xml version="1.0" encoding="utf-8"?>
+<ds:datastoreItem xmlns:ds="http://schemas.openxmlformats.org/officeDocument/2006/customXml" ds:itemID="{4F4B194E-8B30-4377-8C59-ECFB902D2A26}">
+  <ds:schemaRefs>
+    <ds:schemaRef ds:uri="http://schemas.microsoft.com/office/2006/metadata/properties"/>
+    <ds:schemaRef ds:uri="http://schemas.microsoft.com/office/infopath/2007/PartnerControls"/>
+    <ds:schemaRef ds:uri="71af3243-3dd4-4a8d-8c0d-dd76da1f02a5"/>
+    <ds:schemaRef ds:uri="http://schemas.microsoft.com/sharepoint/v3"/>
+    <ds:schemaRef ds:uri="230e9df3-be65-4c73-a93b-d1236ebd677e"/>
+  </ds:schemaRefs>
+</ds:datastoreItem>
+</file>
+
+<file path=customXml/itemProps3.xml><?xml version="1.0" encoding="utf-8"?>
+<ds:datastoreItem xmlns:ds="http://schemas.openxmlformats.org/officeDocument/2006/customXml" ds:itemID="{C21FFAC0-05A2-416A-B06C-C248395482CF}">
+  <ds:schemaRefs>
+    <ds:schemaRef ds:uri="http://schemas.microsoft.com/sharepoint/v3/contenttype/forms"/>
+  </ds:schemaRefs>
+</ds:datastoreItem>
+</file>
+
 <file path=docMetadata/LabelInfo.xml><?xml version="1.0" encoding="utf-8"?>
 <clbl:labelList xmlns:clbl="http://schemas.microsoft.com/office/2020/mipLabelMetadata"/>
 </file>